--- a/notes/slides.pptx
+++ b/notes/slides.pptx
@@ -104,6 +104,11 @@
       </a:defRPr>
     </a:lvl9pPr>
   </p:defaultTextStyle>
+  <p:extLst>
+    <p:ext uri="{EFAFB233-063F-42B5-8137-9DF3F51BA10A}">
+      <p15:sldGuideLst xmlns:p15="http://schemas.microsoft.com/office/powerpoint/2012/main"/>
+    </p:ext>
+  </p:extLst>
 </p:presentation>
 </file>
 
@@ -258,7 +263,7 @@
               <a:rPr lang="en-SG" smtClean="0"/>
               <a:t>26/8/2020</a:t>
             </a:fld>
-            <a:endParaRPr lang="en-SG"/>
+            <a:endParaRPr lang="en-SG" dirty="0"/>
           </a:p>
         </p:txBody>
       </p:sp>
@@ -283,7 +288,7 @@
           <a:bodyPr/>
           <a:lstStyle/>
           <a:p>
-            <a:endParaRPr lang="en-SG"/>
+            <a:endParaRPr lang="en-SG" dirty="0"/>
           </a:p>
         </p:txBody>
       </p:sp>
@@ -312,7 +317,7 @@
               <a:rPr lang="en-SG" smtClean="0"/>
               <a:t>‹#›</a:t>
             </a:fld>
-            <a:endParaRPr lang="en-SG"/>
+            <a:endParaRPr lang="en-SG" dirty="0"/>
           </a:p>
         </p:txBody>
       </p:sp>
@@ -458,7 +463,7 @@
               <a:rPr lang="en-SG" smtClean="0"/>
               <a:t>26/8/2020</a:t>
             </a:fld>
-            <a:endParaRPr lang="en-SG"/>
+            <a:endParaRPr lang="en-SG" dirty="0"/>
           </a:p>
         </p:txBody>
       </p:sp>
@@ -483,7 +488,7 @@
           <a:bodyPr/>
           <a:lstStyle/>
           <a:p>
-            <a:endParaRPr lang="en-SG"/>
+            <a:endParaRPr lang="en-SG" dirty="0"/>
           </a:p>
         </p:txBody>
       </p:sp>
@@ -512,7 +517,7 @@
               <a:rPr lang="en-SG" smtClean="0"/>
               <a:t>‹#›</a:t>
             </a:fld>
-            <a:endParaRPr lang="en-SG"/>
+            <a:endParaRPr lang="en-SG" dirty="0"/>
           </a:p>
         </p:txBody>
       </p:sp>
@@ -668,7 +673,7 @@
               <a:rPr lang="en-SG" smtClean="0"/>
               <a:t>26/8/2020</a:t>
             </a:fld>
-            <a:endParaRPr lang="en-SG"/>
+            <a:endParaRPr lang="en-SG" dirty="0"/>
           </a:p>
         </p:txBody>
       </p:sp>
@@ -693,7 +698,7 @@
           <a:bodyPr/>
           <a:lstStyle/>
           <a:p>
-            <a:endParaRPr lang="en-SG"/>
+            <a:endParaRPr lang="en-SG" dirty="0"/>
           </a:p>
         </p:txBody>
       </p:sp>
@@ -722,7 +727,7 @@
               <a:rPr lang="en-SG" smtClean="0"/>
               <a:t>‹#›</a:t>
             </a:fld>
-            <a:endParaRPr lang="en-SG"/>
+            <a:endParaRPr lang="en-SG" dirty="0"/>
           </a:p>
         </p:txBody>
       </p:sp>
@@ -868,7 +873,7 @@
               <a:rPr lang="en-SG" smtClean="0"/>
               <a:t>26/8/2020</a:t>
             </a:fld>
-            <a:endParaRPr lang="en-SG"/>
+            <a:endParaRPr lang="en-SG" dirty="0"/>
           </a:p>
         </p:txBody>
       </p:sp>
@@ -893,7 +898,7 @@
           <a:bodyPr/>
           <a:lstStyle/>
           <a:p>
-            <a:endParaRPr lang="en-SG"/>
+            <a:endParaRPr lang="en-SG" dirty="0"/>
           </a:p>
         </p:txBody>
       </p:sp>
@@ -922,7 +927,7 @@
               <a:rPr lang="en-SG" smtClean="0"/>
               <a:t>‹#›</a:t>
             </a:fld>
-            <a:endParaRPr lang="en-SG"/>
+            <a:endParaRPr lang="en-SG" dirty="0"/>
           </a:p>
         </p:txBody>
       </p:sp>
@@ -1144,7 +1149,7 @@
               <a:rPr lang="en-SG" smtClean="0"/>
               <a:t>26/8/2020</a:t>
             </a:fld>
-            <a:endParaRPr lang="en-SG"/>
+            <a:endParaRPr lang="en-SG" dirty="0"/>
           </a:p>
         </p:txBody>
       </p:sp>
@@ -1169,7 +1174,7 @@
           <a:bodyPr/>
           <a:lstStyle/>
           <a:p>
-            <a:endParaRPr lang="en-SG"/>
+            <a:endParaRPr lang="en-SG" dirty="0"/>
           </a:p>
         </p:txBody>
       </p:sp>
@@ -1198,7 +1203,7 @@
               <a:rPr lang="en-SG" smtClean="0"/>
               <a:t>‹#›</a:t>
             </a:fld>
-            <a:endParaRPr lang="en-SG"/>
+            <a:endParaRPr lang="en-SG" dirty="0"/>
           </a:p>
         </p:txBody>
       </p:sp>
@@ -1412,7 +1417,7 @@
               <a:rPr lang="en-SG" smtClean="0"/>
               <a:t>26/8/2020</a:t>
             </a:fld>
-            <a:endParaRPr lang="en-SG"/>
+            <a:endParaRPr lang="en-SG" dirty="0"/>
           </a:p>
         </p:txBody>
       </p:sp>
@@ -1437,7 +1442,7 @@
           <a:bodyPr/>
           <a:lstStyle/>
           <a:p>
-            <a:endParaRPr lang="en-SG"/>
+            <a:endParaRPr lang="en-SG" dirty="0"/>
           </a:p>
         </p:txBody>
       </p:sp>
@@ -1466,7 +1471,7 @@
               <a:rPr lang="en-SG" smtClean="0"/>
               <a:t>‹#›</a:t>
             </a:fld>
-            <a:endParaRPr lang="en-SG"/>
+            <a:endParaRPr lang="en-SG" dirty="0"/>
           </a:p>
         </p:txBody>
       </p:sp>
@@ -1827,7 +1832,7 @@
               <a:rPr lang="en-SG" smtClean="0"/>
               <a:t>26/8/2020</a:t>
             </a:fld>
-            <a:endParaRPr lang="en-SG"/>
+            <a:endParaRPr lang="en-SG" dirty="0"/>
           </a:p>
         </p:txBody>
       </p:sp>
@@ -1852,7 +1857,7 @@
           <a:bodyPr/>
           <a:lstStyle/>
           <a:p>
-            <a:endParaRPr lang="en-SG"/>
+            <a:endParaRPr lang="en-SG" dirty="0"/>
           </a:p>
         </p:txBody>
       </p:sp>
@@ -1881,7 +1886,7 @@
               <a:rPr lang="en-SG" smtClean="0"/>
               <a:t>‹#›</a:t>
             </a:fld>
-            <a:endParaRPr lang="en-SG"/>
+            <a:endParaRPr lang="en-SG" dirty="0"/>
           </a:p>
         </p:txBody>
       </p:sp>
@@ -1969,7 +1974,7 @@
               <a:rPr lang="en-SG" smtClean="0"/>
               <a:t>26/8/2020</a:t>
             </a:fld>
-            <a:endParaRPr lang="en-SG"/>
+            <a:endParaRPr lang="en-SG" dirty="0"/>
           </a:p>
         </p:txBody>
       </p:sp>
@@ -1994,7 +1999,7 @@
           <a:bodyPr/>
           <a:lstStyle/>
           <a:p>
-            <a:endParaRPr lang="en-SG"/>
+            <a:endParaRPr lang="en-SG" dirty="0"/>
           </a:p>
         </p:txBody>
       </p:sp>
@@ -2023,7 +2028,7 @@
               <a:rPr lang="en-SG" smtClean="0"/>
               <a:t>‹#›</a:t>
             </a:fld>
-            <a:endParaRPr lang="en-SG"/>
+            <a:endParaRPr lang="en-SG" dirty="0"/>
           </a:p>
         </p:txBody>
       </p:sp>
@@ -2082,7 +2087,7 @@
               <a:rPr lang="en-SG" smtClean="0"/>
               <a:t>26/8/2020</a:t>
             </a:fld>
-            <a:endParaRPr lang="en-SG"/>
+            <a:endParaRPr lang="en-SG" dirty="0"/>
           </a:p>
         </p:txBody>
       </p:sp>
@@ -2107,7 +2112,7 @@
           <a:bodyPr/>
           <a:lstStyle/>
           <a:p>
-            <a:endParaRPr lang="en-SG"/>
+            <a:endParaRPr lang="en-SG" dirty="0"/>
           </a:p>
         </p:txBody>
       </p:sp>
@@ -2136,7 +2141,7 @@
               <a:rPr lang="en-SG" smtClean="0"/>
               <a:t>‹#›</a:t>
             </a:fld>
-            <a:endParaRPr lang="en-SG"/>
+            <a:endParaRPr lang="en-SG" dirty="0"/>
           </a:p>
         </p:txBody>
       </p:sp>
@@ -2395,7 +2400,7 @@
               <a:rPr lang="en-SG" smtClean="0"/>
               <a:t>26/8/2020</a:t>
             </a:fld>
-            <a:endParaRPr lang="en-SG"/>
+            <a:endParaRPr lang="en-SG" dirty="0"/>
           </a:p>
         </p:txBody>
       </p:sp>
@@ -2420,7 +2425,7 @@
           <a:bodyPr/>
           <a:lstStyle/>
           <a:p>
-            <a:endParaRPr lang="en-SG"/>
+            <a:endParaRPr lang="en-SG" dirty="0"/>
           </a:p>
         </p:txBody>
       </p:sp>
@@ -2449,7 +2454,7 @@
               <a:rPr lang="en-SG" smtClean="0"/>
               <a:t>‹#›</a:t>
             </a:fld>
-            <a:endParaRPr lang="en-SG"/>
+            <a:endParaRPr lang="en-SG" dirty="0"/>
           </a:p>
         </p:txBody>
       </p:sp>
@@ -2584,7 +2589,7 @@
             </a:lvl9pPr>
           </a:lstStyle>
           <a:p>
-            <a:endParaRPr lang="en-SG"/>
+            <a:endParaRPr lang="en-SG" dirty="0"/>
           </a:p>
         </p:txBody>
       </p:sp>
@@ -2684,7 +2689,7 @@
               <a:rPr lang="en-SG" smtClean="0"/>
               <a:t>26/8/2020</a:t>
             </a:fld>
-            <a:endParaRPr lang="en-SG"/>
+            <a:endParaRPr lang="en-SG" dirty="0"/>
           </a:p>
         </p:txBody>
       </p:sp>
@@ -2709,7 +2714,7 @@
           <a:bodyPr/>
           <a:lstStyle/>
           <a:p>
-            <a:endParaRPr lang="en-SG"/>
+            <a:endParaRPr lang="en-SG" dirty="0"/>
           </a:p>
         </p:txBody>
       </p:sp>
@@ -2738,7 +2743,7 @@
               <a:rPr lang="en-SG" smtClean="0"/>
               <a:t>‹#›</a:t>
             </a:fld>
-            <a:endParaRPr lang="en-SG"/>
+            <a:endParaRPr lang="en-SG" dirty="0"/>
           </a:p>
         </p:txBody>
       </p:sp>
@@ -2927,7 +2932,7 @@
               <a:rPr lang="en-SG" smtClean="0"/>
               <a:t>26/8/2020</a:t>
             </a:fld>
-            <a:endParaRPr lang="en-SG"/>
+            <a:endParaRPr lang="en-SG" dirty="0"/>
           </a:p>
         </p:txBody>
       </p:sp>
@@ -2970,7 +2975,7 @@
             </a:lvl1pPr>
           </a:lstStyle>
           <a:p>
-            <a:endParaRPr lang="en-SG"/>
+            <a:endParaRPr lang="en-SG" dirty="0"/>
           </a:p>
         </p:txBody>
       </p:sp>
@@ -3017,7 +3022,7 @@
               <a:rPr lang="en-SG" smtClean="0"/>
               <a:t>‹#›</a:t>
             </a:fld>
-            <a:endParaRPr lang="en-SG"/>
+            <a:endParaRPr lang="en-SG" dirty="0"/>
           </a:p>
         </p:txBody>
       </p:sp>
@@ -3477,18 +3482,13 @@
           <a:p>
             <a:pPr algn="ctr"/>
             <a:r>
-              <a:rPr lang="en-SG" sz="2400" dirty="0" err="1">
+              <a:rPr lang="en-SG" sz="2400" dirty="0">
                 <a:solidFill>
                   <a:schemeClr val="bg1"/>
                 </a:solidFill>
               </a:rPr>
               <a:t>FamilyMember</a:t>
             </a:r>
-            <a:endParaRPr lang="en-SG" sz="2400" dirty="0">
-              <a:solidFill>
-                <a:schemeClr val="bg1"/>
-              </a:solidFill>
-            </a:endParaRPr>
           </a:p>
           <a:p>
             <a:pPr algn="ctr"/>
@@ -3666,7 +3666,7 @@
           <a:p>
             <a:pPr algn="ctr"/>
             <a:r>
-              <a:rPr lang="en-SG" sz="2400" dirty="0" err="1">
+              <a:rPr lang="en-SG" sz="2400" dirty="0">
                 <a:solidFill>
                   <a:schemeClr val="bg1"/>
                 </a:solidFill>
@@ -3747,20 +3747,12 @@
           <a:p>
             <a:pPr algn="ctr"/>
             <a:r>
-              <a:rPr lang="en-SG" sz="2400" dirty="0" err="1">
-                <a:solidFill>
-                  <a:schemeClr val="bg1"/>
-                </a:solidFill>
-              </a:rPr>
-              <a:t>Hdb</a:t>
-            </a:r>
-            <a:r>
               <a:rPr lang="en-SG" sz="2400" dirty="0">
                 <a:solidFill>
                   <a:schemeClr val="bg1"/>
                 </a:solidFill>
               </a:rPr>
-              <a:t> Service</a:t>
+              <a:t>Hdb Service</a:t>
             </a:r>
             <a:endParaRPr lang="en-SG" sz="1400" dirty="0">
               <a:solidFill>
@@ -3836,23 +3828,18 @@
           <a:p>
             <a:pPr algn="ctr"/>
             <a:r>
-              <a:rPr lang="en-SG" sz="2400" dirty="0" err="1">
+              <a:rPr lang="en-SG" sz="2400" dirty="0">
                 <a:solidFill>
                   <a:schemeClr val="bg1"/>
                 </a:solidFill>
               </a:rPr>
               <a:t>FamilyMember</a:t>
             </a:r>
-            <a:endParaRPr lang="en-SG" sz="2400" dirty="0">
-              <a:solidFill>
-                <a:schemeClr val="bg1"/>
-              </a:solidFill>
-            </a:endParaRPr>
           </a:p>
           <a:p>
             <a:pPr algn="ctr"/>
             <a:r>
-              <a:rPr lang="en-SG" sz="2400" dirty="0" err="1">
+              <a:rPr lang="en-SG" sz="2400" dirty="0">
                 <a:solidFill>
                   <a:schemeClr val="bg1"/>
                 </a:solidFill>
@@ -3944,7 +3931,7 @@
           <a:p>
             <a:pPr algn="ctr"/>
             <a:r>
-              <a:rPr lang="en-SG" sz="2400" dirty="0" err="1">
+              <a:rPr lang="en-SG" sz="2400" dirty="0">
                 <a:solidFill>
                   <a:schemeClr val="bg1"/>
                 </a:solidFill>
@@ -4240,6 +4227,47 @@
           </a:fontRef>
         </p:style>
       </p:cxnSp>
+      <p:sp>
+        <p:nvSpPr>
+          <p:cNvPr id="2" name="TextBox 1">
+            <a:extLst>
+              <a:ext uri="{FF2B5EF4-FFF2-40B4-BE49-F238E27FC236}">
+                <a16:creationId xmlns:a16="http://schemas.microsoft.com/office/drawing/2014/main" id="{BFC1EC28-6017-476F-B846-82470AB141E2}"/>
+              </a:ext>
+            </a:extLst>
+          </p:cNvPr>
+          <p:cNvSpPr txBox="1"/>
+          <p:nvPr/>
+        </p:nvSpPr>
+        <p:spPr>
+          <a:xfrm>
+            <a:off x="10934982" y="4504589"/>
+            <a:ext cx="1166025" cy="830997"/>
+          </a:xfrm>
+          <a:prstGeom prst="rect">
+            <a:avLst/>
+          </a:prstGeom>
+          <a:noFill/>
+        </p:spPr>
+        <p:txBody>
+          <a:bodyPr wrap="none" rtlCol="0">
+            <a:spAutoFit/>
+          </a:bodyPr>
+          <a:lstStyle/>
+          <a:p>
+            <a:r>
+              <a:rPr lang="en-SG" sz="2400" b="1" dirty="0"/>
+              <a:t>MYSQL </a:t>
+            </a:r>
+          </a:p>
+          <a:p>
+            <a:r>
+              <a:rPr lang="en-SG" sz="2400" b="1" dirty="0"/>
+              <a:t>Server</a:t>
+            </a:r>
+          </a:p>
+        </p:txBody>
+      </p:sp>
     </p:spTree>
     <p:extLst>
       <p:ext uri="{BB962C8B-B14F-4D97-AF65-F5344CB8AC3E}">

--- a/notes/slides.pptx
+++ b/notes/slides.pptx
@@ -261,7 +261,7 @@
           <a:p>
             <a:fld id="{0A933C26-D8C5-4C27-B75F-501417A8ECA3}" type="datetimeFigureOut">
               <a:rPr lang="en-SG" smtClean="0"/>
-              <a:t>26/8/2020</a:t>
+              <a:t>27/8/2020</a:t>
             </a:fld>
             <a:endParaRPr lang="en-SG" dirty="0"/>
           </a:p>
@@ -461,7 +461,7 @@
           <a:p>
             <a:fld id="{0A933C26-D8C5-4C27-B75F-501417A8ECA3}" type="datetimeFigureOut">
               <a:rPr lang="en-SG" smtClean="0"/>
-              <a:t>26/8/2020</a:t>
+              <a:t>27/8/2020</a:t>
             </a:fld>
             <a:endParaRPr lang="en-SG" dirty="0"/>
           </a:p>
@@ -671,7 +671,7 @@
           <a:p>
             <a:fld id="{0A933C26-D8C5-4C27-B75F-501417A8ECA3}" type="datetimeFigureOut">
               <a:rPr lang="en-SG" smtClean="0"/>
-              <a:t>26/8/2020</a:t>
+              <a:t>27/8/2020</a:t>
             </a:fld>
             <a:endParaRPr lang="en-SG" dirty="0"/>
           </a:p>
@@ -871,7 +871,7 @@
           <a:p>
             <a:fld id="{0A933C26-D8C5-4C27-B75F-501417A8ECA3}" type="datetimeFigureOut">
               <a:rPr lang="en-SG" smtClean="0"/>
-              <a:t>26/8/2020</a:t>
+              <a:t>27/8/2020</a:t>
             </a:fld>
             <a:endParaRPr lang="en-SG" dirty="0"/>
           </a:p>
@@ -1147,7 +1147,7 @@
           <a:p>
             <a:fld id="{0A933C26-D8C5-4C27-B75F-501417A8ECA3}" type="datetimeFigureOut">
               <a:rPr lang="en-SG" smtClean="0"/>
-              <a:t>26/8/2020</a:t>
+              <a:t>27/8/2020</a:t>
             </a:fld>
             <a:endParaRPr lang="en-SG" dirty="0"/>
           </a:p>
@@ -1415,7 +1415,7 @@
           <a:p>
             <a:fld id="{0A933C26-D8C5-4C27-B75F-501417A8ECA3}" type="datetimeFigureOut">
               <a:rPr lang="en-SG" smtClean="0"/>
-              <a:t>26/8/2020</a:t>
+              <a:t>27/8/2020</a:t>
             </a:fld>
             <a:endParaRPr lang="en-SG" dirty="0"/>
           </a:p>
@@ -1830,7 +1830,7 @@
           <a:p>
             <a:fld id="{0A933C26-D8C5-4C27-B75F-501417A8ECA3}" type="datetimeFigureOut">
               <a:rPr lang="en-SG" smtClean="0"/>
-              <a:t>26/8/2020</a:t>
+              <a:t>27/8/2020</a:t>
             </a:fld>
             <a:endParaRPr lang="en-SG" dirty="0"/>
           </a:p>
@@ -1972,7 +1972,7 @@
           <a:p>
             <a:fld id="{0A933C26-D8C5-4C27-B75F-501417A8ECA3}" type="datetimeFigureOut">
               <a:rPr lang="en-SG" smtClean="0"/>
-              <a:t>26/8/2020</a:t>
+              <a:t>27/8/2020</a:t>
             </a:fld>
             <a:endParaRPr lang="en-SG" dirty="0"/>
           </a:p>
@@ -2085,7 +2085,7 @@
           <a:p>
             <a:fld id="{0A933C26-D8C5-4C27-B75F-501417A8ECA3}" type="datetimeFigureOut">
               <a:rPr lang="en-SG" smtClean="0"/>
-              <a:t>26/8/2020</a:t>
+              <a:t>27/8/2020</a:t>
             </a:fld>
             <a:endParaRPr lang="en-SG" dirty="0"/>
           </a:p>
@@ -2398,7 +2398,7 @@
           <a:p>
             <a:fld id="{0A933C26-D8C5-4C27-B75F-501417A8ECA3}" type="datetimeFigureOut">
               <a:rPr lang="en-SG" smtClean="0"/>
-              <a:t>26/8/2020</a:t>
+              <a:t>27/8/2020</a:t>
             </a:fld>
             <a:endParaRPr lang="en-SG" dirty="0"/>
           </a:p>
@@ -2687,7 +2687,7 @@
           <a:p>
             <a:fld id="{0A933C26-D8C5-4C27-B75F-501417A8ECA3}" type="datetimeFigureOut">
               <a:rPr lang="en-SG" smtClean="0"/>
-              <a:t>26/8/2020</a:t>
+              <a:t>27/8/2020</a:t>
             </a:fld>
             <a:endParaRPr lang="en-SG" dirty="0"/>
           </a:p>
@@ -2930,7 +2930,7 @@
           <a:p>
             <a:fld id="{0A933C26-D8C5-4C27-B75F-501417A8ECA3}" type="datetimeFigureOut">
               <a:rPr lang="en-SG" smtClean="0"/>
-              <a:t>26/8/2020</a:t>
+              <a:t>27/8/2020</a:t>
             </a:fld>
             <a:endParaRPr lang="en-SG" dirty="0"/>
           </a:p>
@@ -4268,6 +4268,90 @@
           </a:p>
         </p:txBody>
       </p:sp>
+      <p:cxnSp>
+        <p:nvCxnSpPr>
+          <p:cNvPr id="18" name="Straight Arrow Connector 17">
+            <a:extLst>
+              <a:ext uri="{FF2B5EF4-FFF2-40B4-BE49-F238E27FC236}">
+                <a16:creationId xmlns:a16="http://schemas.microsoft.com/office/drawing/2014/main" id="{93659BAF-BA31-43FA-856F-68295EC22B17}"/>
+              </a:ext>
+            </a:extLst>
+          </p:cNvPr>
+          <p:cNvCxnSpPr>
+            <a:cxnSpLocks/>
+          </p:cNvCxnSpPr>
+          <p:nvPr/>
+        </p:nvCxnSpPr>
+        <p:spPr>
+          <a:xfrm flipV="1">
+            <a:off x="10285113" y="4504589"/>
+            <a:ext cx="500874" cy="1139127"/>
+          </a:xfrm>
+          <a:prstGeom prst="straightConnector1">
+            <a:avLst/>
+          </a:prstGeom>
+          <a:ln>
+            <a:headEnd type="triangle"/>
+            <a:tailEnd type="triangle"/>
+          </a:ln>
+        </p:spPr>
+        <p:style>
+          <a:lnRef idx="1">
+            <a:schemeClr val="accent1"/>
+          </a:lnRef>
+          <a:fillRef idx="0">
+            <a:schemeClr val="accent1"/>
+          </a:fillRef>
+          <a:effectRef idx="0">
+            <a:schemeClr val="accent1"/>
+          </a:effectRef>
+          <a:fontRef idx="minor">
+            <a:schemeClr val="tx1"/>
+          </a:fontRef>
+        </p:style>
+      </p:cxnSp>
+      <p:cxnSp>
+        <p:nvCxnSpPr>
+          <p:cNvPr id="21" name="Straight Arrow Connector 20">
+            <a:extLst>
+              <a:ext uri="{FF2B5EF4-FFF2-40B4-BE49-F238E27FC236}">
+                <a16:creationId xmlns:a16="http://schemas.microsoft.com/office/drawing/2014/main" id="{022B8EBE-CDAC-4FB7-AD89-63E22FCABD01}"/>
+              </a:ext>
+            </a:extLst>
+          </p:cNvPr>
+          <p:cNvCxnSpPr>
+            <a:cxnSpLocks/>
+          </p:cNvCxnSpPr>
+          <p:nvPr/>
+        </p:nvCxnSpPr>
+        <p:spPr>
+          <a:xfrm>
+            <a:off x="10285113" y="2139460"/>
+            <a:ext cx="500874" cy="1046192"/>
+          </a:xfrm>
+          <a:prstGeom prst="straightConnector1">
+            <a:avLst/>
+          </a:prstGeom>
+          <a:ln>
+            <a:headEnd type="triangle"/>
+            <a:tailEnd type="triangle"/>
+          </a:ln>
+        </p:spPr>
+        <p:style>
+          <a:lnRef idx="1">
+            <a:schemeClr val="accent1"/>
+          </a:lnRef>
+          <a:fillRef idx="0">
+            <a:schemeClr val="accent1"/>
+          </a:fillRef>
+          <a:effectRef idx="0">
+            <a:schemeClr val="accent1"/>
+          </a:effectRef>
+          <a:fontRef idx="minor">
+            <a:schemeClr val="tx1"/>
+          </a:fontRef>
+        </p:style>
+      </p:cxnSp>
     </p:spTree>
     <p:extLst>
       <p:ext uri="{BB962C8B-B14F-4D97-AF65-F5344CB8AC3E}">
